--- a/docs/diagrams/ModelStorageComponentExportSequenceDiagram.pptx
+++ b/docs/diagrams/ModelStorageComponentExportSequenceDiagram.pptx
@@ -3456,8 +3456,8 @@
         </p:nvSpPr>
         <p:spPr>
           <a:xfrm>
-            <a:off x="4457614" y="1637385"/>
-            <a:ext cx="4141728" cy="3871573"/>
+            <a:off x="4457613" y="1637385"/>
+            <a:ext cx="6504963" cy="3871573"/>
           </a:xfrm>
           <a:prstGeom prst="roundRect">
             <a:avLst>
@@ -3985,7 +3985,7 @@
         </p:nvSpPr>
         <p:spPr>
           <a:xfrm>
-            <a:off x="6805789" y="3077114"/>
+            <a:off x="7074107" y="2878791"/>
             <a:ext cx="1200707" cy="346760"/>
           </a:xfrm>
           <a:prstGeom prst="rect">
@@ -4167,7 +4167,7 @@
         </p:nvSpPr>
         <p:spPr>
           <a:xfrm>
-            <a:off x="8670362" y="2503575"/>
+            <a:off x="11430000" y="1890102"/>
             <a:ext cx="1283224" cy="319928"/>
           </a:xfrm>
           <a:prstGeom prst="rect">
@@ -4342,8 +4342,8 @@
         </p:nvCxnSpPr>
         <p:spPr>
           <a:xfrm flipH="1">
-            <a:off x="9286503" y="2863196"/>
-            <a:ext cx="9897" cy="2928004"/>
+            <a:off x="12121949" y="2211583"/>
+            <a:ext cx="1" cy="3642605"/>
           </a:xfrm>
           <a:prstGeom prst="line">
             <a:avLst/>
@@ -4385,7 +4385,7 @@
         </p:nvSpPr>
         <p:spPr>
           <a:xfrm>
-            <a:off x="9189298" y="4683573"/>
+            <a:off x="12034225" y="4683573"/>
             <a:ext cx="194409" cy="260360"/>
           </a:xfrm>
           <a:prstGeom prst="rect">
@@ -4441,7 +4441,7 @@
         <p:spPr>
           <a:xfrm>
             <a:off x="5265490" y="4683573"/>
-            <a:ext cx="3923808" cy="0"/>
+            <a:ext cx="6768735" cy="0"/>
           </a:xfrm>
           <a:prstGeom prst="straightConnector1">
             <a:avLst/>
@@ -4486,7 +4486,7 @@
         </p:nvSpPr>
         <p:spPr>
           <a:xfrm>
-            <a:off x="7029137" y="4483899"/>
+            <a:off x="9789059" y="4464135"/>
             <a:ext cx="2217719" cy="153888"/>
           </a:xfrm>
           <a:prstGeom prst="rect">
@@ -4541,8 +4541,8 @@
         </p:nvCxnSpPr>
         <p:spPr>
           <a:xfrm>
-            <a:off x="5265490" y="4943933"/>
-            <a:ext cx="4021013" cy="0"/>
+            <a:off x="5280919" y="4943933"/>
+            <a:ext cx="6850511" cy="0"/>
           </a:xfrm>
           <a:prstGeom prst="straightConnector1">
             <a:avLst/>
@@ -4587,8 +4587,8 @@
         </p:nvCxnSpPr>
         <p:spPr>
           <a:xfrm>
-            <a:off x="5238568" y="3238269"/>
-            <a:ext cx="1567221" cy="12861"/>
+            <a:off x="5165134" y="3152597"/>
+            <a:ext cx="1881740" cy="0"/>
           </a:xfrm>
           <a:prstGeom prst="straightConnector1">
             <a:avLst/>
@@ -4635,7 +4635,7 @@
         </p:nvCxnSpPr>
         <p:spPr>
           <a:xfrm>
-            <a:off x="7382743" y="3461842"/>
+            <a:off x="7523541" y="3472993"/>
             <a:ext cx="19066" cy="1872142"/>
           </a:xfrm>
           <a:prstGeom prst="line">
@@ -4718,7 +4718,7 @@
         </p:nvSpPr>
         <p:spPr>
           <a:xfrm rot="16200000">
-            <a:off x="7282542" y="3467173"/>
+            <a:off x="7433724" y="3258980"/>
             <a:ext cx="220863" cy="180584"/>
           </a:xfrm>
           <a:prstGeom prst="rect">
@@ -4781,9 +4781,9 @@
           <p:nvPr/>
         </p:nvCxnSpPr>
         <p:spPr>
-          <a:xfrm rot="5400000" flipH="1">
-            <a:off x="6303346" y="2578269"/>
-            <a:ext cx="8240" cy="2171017"/>
+          <a:xfrm rot="5400000">
+            <a:off x="6402431" y="2317979"/>
+            <a:ext cx="1" cy="2283450"/>
           </a:xfrm>
           <a:prstGeom prst="bentConnector2">
             <a:avLst/>
@@ -4911,7 +4911,7 @@
         </p:nvSpPr>
         <p:spPr>
           <a:xfrm>
-            <a:off x="7504520" y="3684840"/>
+            <a:off x="9616920" y="3667897"/>
             <a:ext cx="1048307" cy="248793"/>
           </a:xfrm>
           <a:prstGeom prst="rect">
@@ -4974,9 +4974,9 @@
           <p:nvPr/>
         </p:nvCxnSpPr>
         <p:spPr>
-          <a:xfrm>
-            <a:off x="5265490" y="4199972"/>
-            <a:ext cx="2672659" cy="0"/>
+          <a:xfrm flipV="1">
+            <a:off x="5265490" y="4199154"/>
+            <a:ext cx="4791107" cy="818"/>
           </a:xfrm>
           <a:prstGeom prst="straightConnector1">
             <a:avLst/>
@@ -5021,7 +5021,7 @@
         </p:nvSpPr>
         <p:spPr>
           <a:xfrm rot="16200000">
-            <a:off x="7875324" y="4257464"/>
+            <a:off x="9982685" y="4277241"/>
             <a:ext cx="306698" cy="150524"/>
           </a:xfrm>
           <a:prstGeom prst="rect">
@@ -5085,7 +5085,7 @@
         </p:nvCxnSpPr>
         <p:spPr>
           <a:xfrm flipH="1">
-            <a:off x="8023634" y="3933633"/>
+            <a:off x="10136034" y="3916690"/>
             <a:ext cx="5040" cy="1400351"/>
           </a:xfrm>
           <a:prstGeom prst="line">
@@ -5207,7 +5207,7 @@
         </p:nvSpPr>
         <p:spPr>
           <a:xfrm>
-            <a:off x="5047146" y="3971321"/>
+            <a:off x="7093934" y="3969136"/>
             <a:ext cx="2962663" cy="153888"/>
           </a:xfrm>
           <a:prstGeom prst="rect">
@@ -5292,8 +5292,8 @@
         </p:nvCxnSpPr>
         <p:spPr>
           <a:xfrm rot="5400000" flipH="1">
-            <a:off x="6638563" y="3095965"/>
-            <a:ext cx="17038" cy="2763183"/>
+            <a:off x="7672218" y="2042036"/>
+            <a:ext cx="57088" cy="4870544"/>
           </a:xfrm>
           <a:prstGeom prst="bentConnector2">
             <a:avLst/>
